--- a/slide-ml-03.pptx
+++ b/slide-ml-03.pptx
@@ -6,6 +6,7 @@
   </p:sldMasterIdLst>
   <p:sldIdLst>
     <p:sldId id="256" r:id="rId2"/>
+    <p:sldId id="257" r:id="rId3"/>
   </p:sldIdLst>
   <p:sldSz cx="12192000" cy="6858000"/>
   <p:notesSz cx="6858000" cy="9144000"/>
@@ -4221,6 +4222,555 @@
 </p:sld>
 </file>
 
+<file path=ppt/slides/slide2.xml><?xml version="1.0" encoding="utf-8"?>
+<p:sld xmlns:a="http://schemas.openxmlformats.org/drawingml/2006/main" xmlns:r="http://schemas.openxmlformats.org/officeDocument/2006/relationships" xmlns:p="http://schemas.openxmlformats.org/presentationml/2006/main">
+  <p:cSld>
+    <p:spTree>
+      <p:nvGrpSpPr>
+        <p:cNvPr id="1" name=""/>
+        <p:cNvGrpSpPr/>
+        <p:nvPr/>
+      </p:nvGrpSpPr>
+      <p:grpSpPr>
+        <a:xfrm>
+          <a:off x="0" y="0"/>
+          <a:ext cx="0" cy="0"/>
+          <a:chOff x="0" y="0"/>
+          <a:chExt cx="0" cy="0"/>
+        </a:xfrm>
+      </p:grpSpPr>
+      <p:sp>
+        <p:nvSpPr>
+          <p:cNvPr id="2" name="Retângulo 1">
+            <a:extLst>
+              <a:ext uri="{FF2B5EF4-FFF2-40B4-BE49-F238E27FC236}">
+                <a16:creationId xmlns:a16="http://schemas.microsoft.com/office/drawing/2014/main" id="{96ADCD56-FD41-4701-BD41-D07111E73BFF}"/>
+              </a:ext>
+            </a:extLst>
+          </p:cNvPr>
+          <p:cNvSpPr/>
+          <p:nvPr/>
+        </p:nvSpPr>
+        <p:spPr>
+          <a:xfrm>
+            <a:off x="452486" y="320512"/>
+            <a:ext cx="8955464" cy="6001643"/>
+          </a:xfrm>
+          <a:prstGeom prst="rect">
+            <a:avLst/>
+          </a:prstGeom>
+        </p:spPr>
+        <p:txBody>
+          <a:bodyPr wrap="square">
+            <a:spAutoFit/>
+          </a:bodyPr>
+          <a:lstStyle/>
+          <a:p>
+            <a:r>
+              <a:rPr lang="pt-BR" sz="3200" b="1" dirty="0">
+                <a:solidFill>
+                  <a:schemeClr val="accent1">
+                    <a:lumMod val="50000"/>
+                  </a:schemeClr>
+                </a:solidFill>
+              </a:rPr>
+              <a:t>X = </a:t>
+            </a:r>
+            <a:r>
+              <a:rPr lang="pt-BR" sz="3200" b="1" dirty="0" err="1">
+                <a:solidFill>
+                  <a:schemeClr val="accent1">
+                    <a:lumMod val="50000"/>
+                  </a:schemeClr>
+                </a:solidFill>
+              </a:rPr>
+              <a:t>df</a:t>
+            </a:r>
+            <a:r>
+              <a:rPr lang="pt-BR" sz="3200" b="1" dirty="0">
+                <a:solidFill>
+                  <a:schemeClr val="accent1">
+                    <a:lumMod val="50000"/>
+                  </a:schemeClr>
+                </a:solidFill>
+              </a:rPr>
+              <a:t>[['inicial', 'palestras', '</a:t>
+            </a:r>
+            <a:r>
+              <a:rPr lang="pt-BR" sz="3200" b="1" dirty="0" err="1">
+                <a:solidFill>
+                  <a:schemeClr val="accent1">
+                    <a:lumMod val="50000"/>
+                  </a:schemeClr>
+                </a:solidFill>
+              </a:rPr>
+              <a:t>patrocinio</a:t>
+            </a:r>
+            <a:r>
+              <a:rPr lang="pt-BR" sz="3200" b="1" dirty="0">
+                <a:solidFill>
+                  <a:schemeClr val="accent1">
+                    <a:lumMod val="50000"/>
+                  </a:schemeClr>
+                </a:solidFill>
+              </a:rPr>
+              <a:t>’]] - dados</a:t>
+            </a:r>
+          </a:p>
+          <a:p>
+            <a:r>
+              <a:rPr lang="pt-BR" sz="3200" b="1" dirty="0">
+                <a:solidFill>
+                  <a:schemeClr val="accent1">
+                    <a:lumMod val="50000"/>
+                  </a:schemeClr>
+                </a:solidFill>
+              </a:rPr>
+              <a:t>y = </a:t>
+            </a:r>
+            <a:r>
+              <a:rPr lang="pt-BR" sz="3200" b="1" dirty="0" err="1">
+                <a:solidFill>
+                  <a:schemeClr val="accent1">
+                    <a:lumMod val="50000"/>
+                  </a:schemeClr>
+                </a:solidFill>
+              </a:rPr>
+              <a:t>df</a:t>
+            </a:r>
+            <a:r>
+              <a:rPr lang="pt-BR" sz="3200" b="1" dirty="0">
+                <a:solidFill>
+                  <a:schemeClr val="accent1">
+                    <a:lumMod val="50000"/>
+                  </a:schemeClr>
+                </a:solidFill>
+              </a:rPr>
+              <a:t>['comprou’] - rótulos</a:t>
+            </a:r>
+          </a:p>
+          <a:p>
+            <a:endParaRPr lang="pt-BR" sz="3200" dirty="0"/>
+          </a:p>
+          <a:p>
+            <a:r>
+              <a:rPr lang="pt-BR" sz="3200" dirty="0" err="1">
+                <a:solidFill>
+                  <a:schemeClr val="accent6">
+                    <a:lumMod val="50000"/>
+                  </a:schemeClr>
+                </a:solidFill>
+              </a:rPr>
+              <a:t>X_train</a:t>
+            </a:r>
+            <a:r>
+              <a:rPr lang="pt-BR" sz="3200" dirty="0">
+                <a:solidFill>
+                  <a:schemeClr val="accent6">
+                    <a:lumMod val="50000"/>
+                  </a:schemeClr>
+                </a:solidFill>
+              </a:rPr>
+              <a:t>, </a:t>
+            </a:r>
+            <a:r>
+              <a:rPr lang="pt-BR" sz="3200" dirty="0" err="1">
+                <a:solidFill>
+                  <a:schemeClr val="accent6">
+                    <a:lumMod val="50000"/>
+                  </a:schemeClr>
+                </a:solidFill>
+              </a:rPr>
+              <a:t>X_test</a:t>
+            </a:r>
+            <a:r>
+              <a:rPr lang="pt-BR" sz="3200" dirty="0">
+                <a:solidFill>
+                  <a:schemeClr val="accent6">
+                    <a:lumMod val="50000"/>
+                  </a:schemeClr>
+                </a:solidFill>
+              </a:rPr>
+              <a:t>, </a:t>
+            </a:r>
+            <a:r>
+              <a:rPr lang="pt-BR" sz="3200" dirty="0" err="1">
+                <a:solidFill>
+                  <a:schemeClr val="accent6">
+                    <a:lumMod val="50000"/>
+                  </a:schemeClr>
+                </a:solidFill>
+              </a:rPr>
+              <a:t>y_train</a:t>
+            </a:r>
+            <a:r>
+              <a:rPr lang="pt-BR" sz="3200" dirty="0">
+                <a:solidFill>
+                  <a:schemeClr val="accent6">
+                    <a:lumMod val="50000"/>
+                  </a:schemeClr>
+                </a:solidFill>
+              </a:rPr>
+              <a:t>, </a:t>
+            </a:r>
+            <a:r>
+              <a:rPr lang="pt-BR" sz="3200" dirty="0" err="1">
+                <a:solidFill>
+                  <a:schemeClr val="accent6">
+                    <a:lumMod val="50000"/>
+                  </a:schemeClr>
+                </a:solidFill>
+              </a:rPr>
+              <a:t>y_test</a:t>
+            </a:r>
+            <a:r>
+              <a:rPr lang="pt-BR" sz="3200" dirty="0">
+                <a:solidFill>
+                  <a:schemeClr val="accent6">
+                    <a:lumMod val="50000"/>
+                  </a:schemeClr>
+                </a:solidFill>
+              </a:rPr>
+              <a:t> = </a:t>
+            </a:r>
+            <a:r>
+              <a:rPr lang="pt-BR" sz="3200" b="1" dirty="0" err="1">
+                <a:solidFill>
+                  <a:schemeClr val="accent6">
+                    <a:lumMod val="50000"/>
+                  </a:schemeClr>
+                </a:solidFill>
+              </a:rPr>
+              <a:t>train_test_split</a:t>
+            </a:r>
+            <a:r>
+              <a:rPr lang="pt-BR" sz="3200" dirty="0">
+                <a:solidFill>
+                  <a:schemeClr val="accent6">
+                    <a:lumMod val="50000"/>
+                  </a:schemeClr>
+                </a:solidFill>
+              </a:rPr>
+              <a:t>(X, y, </a:t>
+            </a:r>
+            <a:r>
+              <a:rPr lang="pt-BR" sz="3200" dirty="0" err="1">
+                <a:solidFill>
+                  <a:schemeClr val="accent6">
+                    <a:lumMod val="50000"/>
+                  </a:schemeClr>
+                </a:solidFill>
+              </a:rPr>
+              <a:t>test_size</a:t>
+            </a:r>
+            <a:r>
+              <a:rPr lang="pt-BR" sz="3200" dirty="0">
+                <a:solidFill>
+                  <a:schemeClr val="accent6">
+                    <a:lumMod val="50000"/>
+                  </a:schemeClr>
+                </a:solidFill>
+              </a:rPr>
+              <a:t>=0.2, </a:t>
+            </a:r>
+            <a:r>
+              <a:rPr lang="pt-BR" sz="3200" b="1" dirty="0" err="1">
+                <a:solidFill>
+                  <a:schemeClr val="accent6">
+                    <a:lumMod val="50000"/>
+                  </a:schemeClr>
+                </a:solidFill>
+              </a:rPr>
+              <a:t>random_state</a:t>
+            </a:r>
+            <a:r>
+              <a:rPr lang="pt-BR" sz="3200" b="1" dirty="0">
+                <a:solidFill>
+                  <a:schemeClr val="accent6">
+                    <a:lumMod val="50000"/>
+                  </a:schemeClr>
+                </a:solidFill>
+              </a:rPr>
+              <a:t>=42</a:t>
+            </a:r>
+            <a:r>
+              <a:rPr lang="pt-BR" sz="3200" dirty="0">
+                <a:solidFill>
+                  <a:schemeClr val="accent6">
+                    <a:lumMod val="50000"/>
+                  </a:schemeClr>
+                </a:solidFill>
+              </a:rPr>
+              <a:t>)</a:t>
+            </a:r>
+          </a:p>
+          <a:p>
+            <a:endParaRPr lang="pt-BR" sz="3200" dirty="0"/>
+          </a:p>
+          <a:p>
+            <a:r>
+              <a:rPr lang="pt-BR" sz="3200" dirty="0" err="1">
+                <a:solidFill>
+                  <a:srgbClr val="FF0000"/>
+                </a:solidFill>
+              </a:rPr>
+              <a:t>model</a:t>
+            </a:r>
+            <a:r>
+              <a:rPr lang="pt-BR" sz="3200" dirty="0">
+                <a:solidFill>
+                  <a:srgbClr val="FF0000"/>
+                </a:solidFill>
+              </a:rPr>
+              <a:t> = </a:t>
+            </a:r>
+            <a:r>
+              <a:rPr lang="pt-BR" sz="3200" b="1" dirty="0" err="1">
+                <a:solidFill>
+                  <a:srgbClr val="FF0000"/>
+                </a:solidFill>
+              </a:rPr>
+              <a:t>RandomForestClassifier</a:t>
+            </a:r>
+            <a:r>
+              <a:rPr lang="pt-BR" sz="3200" b="1">
+                <a:solidFill>
+                  <a:srgbClr val="FF0000"/>
+                </a:solidFill>
+              </a:rPr>
+              <a:t>()</a:t>
+            </a:r>
+            <a:endParaRPr lang="pt-BR" sz="3200" b="1" dirty="0">
+              <a:solidFill>
+                <a:srgbClr val="7030A0"/>
+              </a:solidFill>
+            </a:endParaRPr>
+          </a:p>
+          <a:p>
+            <a:r>
+              <a:rPr lang="pt-BR" sz="3200" dirty="0" err="1">
+                <a:solidFill>
+                  <a:srgbClr val="7030A0"/>
+                </a:solidFill>
+              </a:rPr>
+              <a:t>model.fit</a:t>
+            </a:r>
+            <a:r>
+              <a:rPr lang="pt-BR" sz="3200" dirty="0">
+                <a:solidFill>
+                  <a:srgbClr val="7030A0"/>
+                </a:solidFill>
+              </a:rPr>
+              <a:t>(</a:t>
+            </a:r>
+            <a:r>
+              <a:rPr lang="pt-BR" sz="3200" dirty="0" err="1">
+                <a:solidFill>
+                  <a:srgbClr val="7030A0"/>
+                </a:solidFill>
+              </a:rPr>
+              <a:t>X_train</a:t>
+            </a:r>
+            <a:r>
+              <a:rPr lang="pt-BR" sz="3200" dirty="0">
+                <a:solidFill>
+                  <a:srgbClr val="7030A0"/>
+                </a:solidFill>
+              </a:rPr>
+              <a:t>, </a:t>
+            </a:r>
+            <a:r>
+              <a:rPr lang="pt-BR" sz="3200" dirty="0" err="1">
+                <a:solidFill>
+                  <a:srgbClr val="7030A0"/>
+                </a:solidFill>
+              </a:rPr>
+              <a:t>y_train</a:t>
+            </a:r>
+            <a:r>
+              <a:rPr lang="pt-BR" sz="3200" dirty="0">
+                <a:solidFill>
+                  <a:srgbClr val="7030A0"/>
+                </a:solidFill>
+              </a:rPr>
+              <a:t>)</a:t>
+            </a:r>
+          </a:p>
+          <a:p>
+            <a:endParaRPr lang="pt-BR" sz="3200" dirty="0">
+              <a:solidFill>
+                <a:srgbClr val="7030A0"/>
+              </a:solidFill>
+            </a:endParaRPr>
+          </a:p>
+          <a:p>
+            <a:r>
+              <a:rPr lang="pt-BR" sz="3200" b="1" dirty="0" err="1">
+                <a:solidFill>
+                  <a:schemeClr val="tx1">
+                    <a:lumMod val="95000"/>
+                    <a:lumOff val="5000"/>
+                  </a:schemeClr>
+                </a:solidFill>
+              </a:rPr>
+              <a:t>y_pred</a:t>
+            </a:r>
+            <a:r>
+              <a:rPr lang="pt-BR" sz="3200" b="1" dirty="0">
+                <a:solidFill>
+                  <a:schemeClr val="tx1">
+                    <a:lumMod val="95000"/>
+                    <a:lumOff val="5000"/>
+                  </a:schemeClr>
+                </a:solidFill>
+              </a:rPr>
+              <a:t> = </a:t>
+            </a:r>
+            <a:r>
+              <a:rPr lang="pt-BR" sz="3200" b="1" dirty="0" err="1">
+                <a:solidFill>
+                  <a:schemeClr val="tx1">
+                    <a:lumMod val="95000"/>
+                    <a:lumOff val="5000"/>
+                  </a:schemeClr>
+                </a:solidFill>
+              </a:rPr>
+              <a:t>model.predict</a:t>
+            </a:r>
+            <a:r>
+              <a:rPr lang="pt-BR" sz="3200" b="1" dirty="0">
+                <a:solidFill>
+                  <a:schemeClr val="tx1">
+                    <a:lumMod val="95000"/>
+                    <a:lumOff val="5000"/>
+                  </a:schemeClr>
+                </a:solidFill>
+              </a:rPr>
+              <a:t>(</a:t>
+            </a:r>
+            <a:r>
+              <a:rPr lang="pt-BR" sz="3200" b="1" dirty="0" err="1">
+                <a:solidFill>
+                  <a:schemeClr val="tx1">
+                    <a:lumMod val="95000"/>
+                    <a:lumOff val="5000"/>
+                  </a:schemeClr>
+                </a:solidFill>
+              </a:rPr>
+              <a:t>X_test</a:t>
+            </a:r>
+            <a:r>
+              <a:rPr lang="pt-BR" sz="3200" b="1" dirty="0">
+                <a:solidFill>
+                  <a:schemeClr val="tx1">
+                    <a:lumMod val="95000"/>
+                    <a:lumOff val="5000"/>
+                  </a:schemeClr>
+                </a:solidFill>
+              </a:rPr>
+              <a:t>)</a:t>
+            </a:r>
+          </a:p>
+          <a:p>
+            <a:endParaRPr lang="pt-BR" sz="3200" dirty="0"/>
+          </a:p>
+          <a:p>
+            <a:r>
+              <a:rPr lang="pt-BR" sz="3200" b="1" dirty="0" err="1">
+                <a:solidFill>
+                  <a:schemeClr val="accent2">
+                    <a:lumMod val="75000"/>
+                  </a:schemeClr>
+                </a:solidFill>
+              </a:rPr>
+              <a:t>accuracy</a:t>
+            </a:r>
+            <a:r>
+              <a:rPr lang="pt-BR" sz="3200" b="1" dirty="0">
+                <a:solidFill>
+                  <a:schemeClr val="accent2">
+                    <a:lumMod val="75000"/>
+                  </a:schemeClr>
+                </a:solidFill>
+              </a:rPr>
+              <a:t> = </a:t>
+            </a:r>
+            <a:r>
+              <a:rPr lang="pt-BR" sz="3200" b="1" dirty="0" err="1">
+                <a:solidFill>
+                  <a:schemeClr val="accent2">
+                    <a:lumMod val="75000"/>
+                  </a:schemeClr>
+                </a:solidFill>
+              </a:rPr>
+              <a:t>accuracy_score</a:t>
+            </a:r>
+            <a:r>
+              <a:rPr lang="pt-BR" sz="3200" b="1" dirty="0">
+                <a:solidFill>
+                  <a:schemeClr val="accent2">
+                    <a:lumMod val="75000"/>
+                  </a:schemeClr>
+                </a:solidFill>
+              </a:rPr>
+              <a:t>(</a:t>
+            </a:r>
+            <a:r>
+              <a:rPr lang="pt-BR" sz="3200" b="1" dirty="0" err="1">
+                <a:solidFill>
+                  <a:schemeClr val="accent2">
+                    <a:lumMod val="75000"/>
+                  </a:schemeClr>
+                </a:solidFill>
+              </a:rPr>
+              <a:t>y_test</a:t>
+            </a:r>
+            <a:r>
+              <a:rPr lang="pt-BR" sz="3200" b="1" dirty="0">
+                <a:solidFill>
+                  <a:schemeClr val="accent2">
+                    <a:lumMod val="75000"/>
+                  </a:schemeClr>
+                </a:solidFill>
+              </a:rPr>
+              <a:t>, </a:t>
+            </a:r>
+            <a:r>
+              <a:rPr lang="pt-BR" sz="3200" b="1" dirty="0" err="1">
+                <a:solidFill>
+                  <a:schemeClr val="accent2">
+                    <a:lumMod val="75000"/>
+                  </a:schemeClr>
+                </a:solidFill>
+              </a:rPr>
+              <a:t>y_pred</a:t>
+            </a:r>
+            <a:r>
+              <a:rPr lang="pt-BR" sz="3200" b="1" dirty="0">
+                <a:solidFill>
+                  <a:schemeClr val="accent2">
+                    <a:lumMod val="75000"/>
+                  </a:schemeClr>
+                </a:solidFill>
+              </a:rPr>
+              <a:t>)</a:t>
+            </a:r>
+          </a:p>
+        </p:txBody>
+      </p:sp>
+    </p:spTree>
+    <p:extLst>
+      <p:ext uri="{BB962C8B-B14F-4D97-AF65-F5344CB8AC3E}">
+        <p14:creationId xmlns:p14="http://schemas.microsoft.com/office/powerpoint/2010/main" val="310646752"/>
+      </p:ext>
+    </p:extLst>
+  </p:cSld>
+  <p:clrMapOvr>
+    <a:masterClrMapping/>
+  </p:clrMapOvr>
+</p:sld>
+</file>
+
 <file path=ppt/theme/theme1.xml><?xml version="1.0" encoding="utf-8"?>
 <a:theme xmlns:a="http://schemas.openxmlformats.org/drawingml/2006/main" name="Tema do Office">
   <a:themeElements>
